--- a/Module 2/PHP.pptx
+++ b/Module 2/PHP.pptx
@@ -6,6 +6,12 @@
   </p:sldMasterIdLst>
   <p:sldIdLst>
     <p:sldId id="256" r:id="rId2"/>
+    <p:sldId id="259" r:id="rId3"/>
+    <p:sldId id="257" r:id="rId4"/>
+    <p:sldId id="258" r:id="rId5"/>
+    <p:sldId id="260" r:id="rId6"/>
+    <p:sldId id="261" r:id="rId7"/>
+    <p:sldId id="262" r:id="rId8"/>
   </p:sldIdLst>
   <p:sldSz cx="12192000" cy="6858000"/>
   <p:notesSz cx="6858000" cy="9144000"/>
@@ -104,6 +110,11 @@
       </a:defRPr>
     </a:lvl9pPr>
   </p:defaultTextStyle>
+  <p:extLst>
+    <p:ext uri="{EFAFB233-063F-42B5-8137-9DF3F51BA10A}">
+      <p15:sldGuideLst xmlns:p15="http://schemas.microsoft.com/office/powerpoint/2012/main"/>
+    </p:ext>
+  </p:extLst>
 </p:presentation>
 </file>
 
@@ -238,7 +249,7 @@
           <a:p>
             <a:fld id="{E9F3E169-0043-4E4A-BA3A-A22455999361}" type="datetimeFigureOut">
               <a:rPr lang="en-US" smtClean="0"/>
-              <a:t>5/2/2019</a:t>
+              <a:t>5/4/2019</a:t>
             </a:fld>
             <a:endParaRPr lang="en-US"/>
           </a:p>
@@ -408,7 +419,7 @@
           <a:p>
             <a:fld id="{E9F3E169-0043-4E4A-BA3A-A22455999361}" type="datetimeFigureOut">
               <a:rPr lang="en-US" smtClean="0"/>
-              <a:t>5/2/2019</a:t>
+              <a:t>5/4/2019</a:t>
             </a:fld>
             <a:endParaRPr lang="en-US"/>
           </a:p>
@@ -588,7 +599,7 @@
           <a:p>
             <a:fld id="{E9F3E169-0043-4E4A-BA3A-A22455999361}" type="datetimeFigureOut">
               <a:rPr lang="en-US" smtClean="0"/>
-              <a:t>5/2/2019</a:t>
+              <a:t>5/4/2019</a:t>
             </a:fld>
             <a:endParaRPr lang="en-US"/>
           </a:p>
@@ -758,7 +769,7 @@
           <a:p>
             <a:fld id="{E9F3E169-0043-4E4A-BA3A-A22455999361}" type="datetimeFigureOut">
               <a:rPr lang="en-US" smtClean="0"/>
-              <a:t>5/2/2019</a:t>
+              <a:t>5/4/2019</a:t>
             </a:fld>
             <a:endParaRPr lang="en-US"/>
           </a:p>
@@ -1004,7 +1015,7 @@
           <a:p>
             <a:fld id="{E9F3E169-0043-4E4A-BA3A-A22455999361}" type="datetimeFigureOut">
               <a:rPr lang="en-US" smtClean="0"/>
-              <a:t>5/2/2019</a:t>
+              <a:t>5/4/2019</a:t>
             </a:fld>
             <a:endParaRPr lang="en-US"/>
           </a:p>
@@ -1236,7 +1247,7 @@
           <a:p>
             <a:fld id="{E9F3E169-0043-4E4A-BA3A-A22455999361}" type="datetimeFigureOut">
               <a:rPr lang="en-US" smtClean="0"/>
-              <a:t>5/2/2019</a:t>
+              <a:t>5/4/2019</a:t>
             </a:fld>
             <a:endParaRPr lang="en-US"/>
           </a:p>
@@ -1603,7 +1614,7 @@
           <a:p>
             <a:fld id="{E9F3E169-0043-4E4A-BA3A-A22455999361}" type="datetimeFigureOut">
               <a:rPr lang="en-US" smtClean="0"/>
-              <a:t>5/2/2019</a:t>
+              <a:t>5/4/2019</a:t>
             </a:fld>
             <a:endParaRPr lang="en-US"/>
           </a:p>
@@ -1721,7 +1732,7 @@
           <a:p>
             <a:fld id="{E9F3E169-0043-4E4A-BA3A-A22455999361}" type="datetimeFigureOut">
               <a:rPr lang="en-US" smtClean="0"/>
-              <a:t>5/2/2019</a:t>
+              <a:t>5/4/2019</a:t>
             </a:fld>
             <a:endParaRPr lang="en-US"/>
           </a:p>
@@ -1816,7 +1827,7 @@
           <a:p>
             <a:fld id="{E9F3E169-0043-4E4A-BA3A-A22455999361}" type="datetimeFigureOut">
               <a:rPr lang="en-US" smtClean="0"/>
-              <a:t>5/2/2019</a:t>
+              <a:t>5/4/2019</a:t>
             </a:fld>
             <a:endParaRPr lang="en-US"/>
           </a:p>
@@ -2093,7 +2104,7 @@
           <a:p>
             <a:fld id="{E9F3E169-0043-4E4A-BA3A-A22455999361}" type="datetimeFigureOut">
               <a:rPr lang="en-US" smtClean="0"/>
-              <a:t>5/2/2019</a:t>
+              <a:t>5/4/2019</a:t>
             </a:fld>
             <a:endParaRPr lang="en-US"/>
           </a:p>
@@ -2346,7 +2357,7 @@
           <a:p>
             <a:fld id="{E9F3E169-0043-4E4A-BA3A-A22455999361}" type="datetimeFigureOut">
               <a:rPr lang="en-US" smtClean="0"/>
-              <a:t>5/2/2019</a:t>
+              <a:t>5/4/2019</a:t>
             </a:fld>
             <a:endParaRPr lang="en-US"/>
           </a:p>
@@ -2559,7 +2570,7 @@
           <a:p>
             <a:fld id="{E9F3E169-0043-4E4A-BA3A-A22455999361}" type="datetimeFigureOut">
               <a:rPr lang="en-US" smtClean="0"/>
-              <a:t>5/2/2019</a:t>
+              <a:t>5/4/2019</a:t>
             </a:fld>
             <a:endParaRPr lang="en-US"/>
           </a:p>
@@ -3046,6 +3057,514 @@
 </p:sld>
 </file>
 
+<file path=ppt/slides/slide2.xml><?xml version="1.0" encoding="utf-8"?>
+<p:sld xmlns:a="http://schemas.openxmlformats.org/drawingml/2006/main" xmlns:r="http://schemas.openxmlformats.org/officeDocument/2006/relationships" xmlns:p="http://schemas.openxmlformats.org/presentationml/2006/main">
+  <p:cSld>
+    <p:spTree>
+      <p:nvGrpSpPr>
+        <p:cNvPr id="1" name=""/>
+        <p:cNvGrpSpPr/>
+        <p:nvPr/>
+      </p:nvGrpSpPr>
+      <p:grpSpPr>
+        <a:xfrm>
+          <a:off x="0" y="0"/>
+          <a:ext cx="0" cy="0"/>
+          <a:chOff x="0" y="0"/>
+          <a:chExt cx="0" cy="0"/>
+        </a:xfrm>
+      </p:grpSpPr>
+      <p:sp>
+        <p:nvSpPr>
+          <p:cNvPr id="2" name="Title 1"/>
+          <p:cNvSpPr>
+            <a:spLocks noGrp="1"/>
+          </p:cNvSpPr>
+          <p:nvPr>
+            <p:ph type="title"/>
+          </p:nvPr>
+        </p:nvSpPr>
+        <p:spPr/>
+        <p:txBody>
+          <a:bodyPr/>
+          <a:lstStyle/>
+          <a:p>
+            <a:endParaRPr lang="en-US"/>
+          </a:p>
+        </p:txBody>
+      </p:sp>
+      <p:sp>
+        <p:nvSpPr>
+          <p:cNvPr id="3" name="Content Placeholder 2"/>
+          <p:cNvSpPr>
+            <a:spLocks noGrp="1"/>
+          </p:cNvSpPr>
+          <p:nvPr>
+            <p:ph idx="1"/>
+          </p:nvPr>
+        </p:nvSpPr>
+        <p:spPr/>
+        <p:txBody>
+          <a:bodyPr/>
+          <a:lstStyle/>
+          <a:p>
+            <a:endParaRPr lang="en-US"/>
+          </a:p>
+        </p:txBody>
+      </p:sp>
+      <p:pic>
+        <p:nvPicPr>
+          <p:cNvPr id="4" name="Picture 3"/>
+          <p:cNvPicPr>
+            <a:picLocks noChangeAspect="1"/>
+          </p:cNvPicPr>
+          <p:nvPr/>
+        </p:nvPicPr>
+        <p:blipFill>
+          <a:blip r:embed="rId2"/>
+          <a:stretch>
+            <a:fillRect/>
+          </a:stretch>
+        </p:blipFill>
+        <p:spPr>
+          <a:xfrm>
+            <a:off x="-409575" y="-228600"/>
+            <a:ext cx="13011150" cy="7315200"/>
+          </a:xfrm>
+          <a:prstGeom prst="rect">
+            <a:avLst/>
+          </a:prstGeom>
+        </p:spPr>
+      </p:pic>
+    </p:spTree>
+    <p:extLst>
+      <p:ext uri="{BB962C8B-B14F-4D97-AF65-F5344CB8AC3E}">
+        <p14:creationId xmlns:p14="http://schemas.microsoft.com/office/powerpoint/2010/main" val="3752100973"/>
+      </p:ext>
+    </p:extLst>
+  </p:cSld>
+  <p:clrMapOvr>
+    <a:masterClrMapping/>
+  </p:clrMapOvr>
+</p:sld>
+</file>
+
+<file path=ppt/slides/slide3.xml><?xml version="1.0" encoding="utf-8"?>
+<p:sld xmlns:a="http://schemas.openxmlformats.org/drawingml/2006/main" xmlns:r="http://schemas.openxmlformats.org/officeDocument/2006/relationships" xmlns:p="http://schemas.openxmlformats.org/presentationml/2006/main">
+  <p:cSld>
+    <p:spTree>
+      <p:nvGrpSpPr>
+        <p:cNvPr id="1" name=""/>
+        <p:cNvGrpSpPr/>
+        <p:nvPr/>
+      </p:nvGrpSpPr>
+      <p:grpSpPr>
+        <a:xfrm>
+          <a:off x="0" y="0"/>
+          <a:ext cx="0" cy="0"/>
+          <a:chOff x="0" y="0"/>
+          <a:chExt cx="0" cy="0"/>
+        </a:xfrm>
+      </p:grpSpPr>
+      <p:sp>
+        <p:nvSpPr>
+          <p:cNvPr id="2" name="Title 1"/>
+          <p:cNvSpPr>
+            <a:spLocks noGrp="1"/>
+          </p:cNvSpPr>
+          <p:nvPr>
+            <p:ph type="title"/>
+          </p:nvPr>
+        </p:nvSpPr>
+        <p:spPr/>
+        <p:txBody>
+          <a:bodyPr/>
+          <a:lstStyle/>
+          <a:p>
+            <a:endParaRPr lang="en-US"/>
+          </a:p>
+        </p:txBody>
+      </p:sp>
+      <p:sp>
+        <p:nvSpPr>
+          <p:cNvPr id="3" name="Content Placeholder 2"/>
+          <p:cNvSpPr>
+            <a:spLocks noGrp="1"/>
+          </p:cNvSpPr>
+          <p:nvPr>
+            <p:ph idx="1"/>
+          </p:nvPr>
+        </p:nvSpPr>
+        <p:spPr/>
+        <p:txBody>
+          <a:bodyPr/>
+          <a:lstStyle/>
+          <a:p>
+            <a:endParaRPr lang="en-US"/>
+          </a:p>
+        </p:txBody>
+      </p:sp>
+      <p:pic>
+        <p:nvPicPr>
+          <p:cNvPr id="4" name="Picture 3"/>
+          <p:cNvPicPr>
+            <a:picLocks noChangeAspect="1"/>
+          </p:cNvPicPr>
+          <p:nvPr/>
+        </p:nvPicPr>
+        <p:blipFill>
+          <a:blip r:embed="rId2"/>
+          <a:stretch>
+            <a:fillRect/>
+          </a:stretch>
+        </p:blipFill>
+        <p:spPr>
+          <a:xfrm>
+            <a:off x="-409575" y="-228600"/>
+            <a:ext cx="13011150" cy="7315200"/>
+          </a:xfrm>
+          <a:prstGeom prst="rect">
+            <a:avLst/>
+          </a:prstGeom>
+        </p:spPr>
+      </p:pic>
+    </p:spTree>
+    <p:extLst>
+      <p:ext uri="{BB962C8B-B14F-4D97-AF65-F5344CB8AC3E}">
+        <p14:creationId xmlns:p14="http://schemas.microsoft.com/office/powerpoint/2010/main" val="2386950944"/>
+      </p:ext>
+    </p:extLst>
+  </p:cSld>
+  <p:clrMapOvr>
+    <a:masterClrMapping/>
+  </p:clrMapOvr>
+</p:sld>
+</file>
+
+<file path=ppt/slides/slide4.xml><?xml version="1.0" encoding="utf-8"?>
+<p:sld xmlns:a="http://schemas.openxmlformats.org/drawingml/2006/main" xmlns:r="http://schemas.openxmlformats.org/officeDocument/2006/relationships" xmlns:p="http://schemas.openxmlformats.org/presentationml/2006/main">
+  <p:cSld>
+    <p:spTree>
+      <p:nvGrpSpPr>
+        <p:cNvPr id="1" name=""/>
+        <p:cNvGrpSpPr/>
+        <p:nvPr/>
+      </p:nvGrpSpPr>
+      <p:grpSpPr>
+        <a:xfrm>
+          <a:off x="0" y="0"/>
+          <a:ext cx="0" cy="0"/>
+          <a:chOff x="0" y="0"/>
+          <a:chExt cx="0" cy="0"/>
+        </a:xfrm>
+      </p:grpSpPr>
+      <p:sp>
+        <p:nvSpPr>
+          <p:cNvPr id="2" name="Title 1"/>
+          <p:cNvSpPr>
+            <a:spLocks noGrp="1"/>
+          </p:cNvSpPr>
+          <p:nvPr>
+            <p:ph type="title"/>
+          </p:nvPr>
+        </p:nvSpPr>
+        <p:spPr/>
+        <p:txBody>
+          <a:bodyPr/>
+          <a:lstStyle/>
+          <a:p>
+            <a:endParaRPr lang="en-US"/>
+          </a:p>
+        </p:txBody>
+      </p:sp>
+      <p:sp>
+        <p:nvSpPr>
+          <p:cNvPr id="3" name="Content Placeholder 2"/>
+          <p:cNvSpPr>
+            <a:spLocks noGrp="1"/>
+          </p:cNvSpPr>
+          <p:nvPr>
+            <p:ph idx="1"/>
+          </p:nvPr>
+        </p:nvSpPr>
+        <p:spPr/>
+        <p:txBody>
+          <a:bodyPr/>
+          <a:lstStyle/>
+          <a:p>
+            <a:endParaRPr lang="en-US"/>
+          </a:p>
+        </p:txBody>
+      </p:sp>
+      <p:pic>
+        <p:nvPicPr>
+          <p:cNvPr id="4" name="Picture 3"/>
+          <p:cNvPicPr>
+            <a:picLocks noChangeAspect="1"/>
+          </p:cNvPicPr>
+          <p:nvPr/>
+        </p:nvPicPr>
+        <p:blipFill>
+          <a:blip r:embed="rId2"/>
+          <a:stretch>
+            <a:fillRect/>
+          </a:stretch>
+        </p:blipFill>
+        <p:spPr>
+          <a:xfrm>
+            <a:off x="-409575" y="-228600"/>
+            <a:ext cx="13011150" cy="7315200"/>
+          </a:xfrm>
+          <a:prstGeom prst="rect">
+            <a:avLst/>
+          </a:prstGeom>
+        </p:spPr>
+      </p:pic>
+    </p:spTree>
+    <p:extLst>
+      <p:ext uri="{BB962C8B-B14F-4D97-AF65-F5344CB8AC3E}">
+        <p14:creationId xmlns:p14="http://schemas.microsoft.com/office/powerpoint/2010/main" val="321932670"/>
+      </p:ext>
+    </p:extLst>
+  </p:cSld>
+  <p:clrMapOvr>
+    <a:masterClrMapping/>
+  </p:clrMapOvr>
+</p:sld>
+</file>
+
+<file path=ppt/slides/slide5.xml><?xml version="1.0" encoding="utf-8"?>
+<p:sld xmlns:a="http://schemas.openxmlformats.org/drawingml/2006/main" xmlns:r="http://schemas.openxmlformats.org/officeDocument/2006/relationships" xmlns:p="http://schemas.openxmlformats.org/presentationml/2006/main">
+  <p:cSld>
+    <p:spTree>
+      <p:nvGrpSpPr>
+        <p:cNvPr id="1" name=""/>
+        <p:cNvGrpSpPr/>
+        <p:nvPr/>
+      </p:nvGrpSpPr>
+      <p:grpSpPr>
+        <a:xfrm>
+          <a:off x="0" y="0"/>
+          <a:ext cx="0" cy="0"/>
+          <a:chOff x="0" y="0"/>
+          <a:chExt cx="0" cy="0"/>
+        </a:xfrm>
+      </p:grpSpPr>
+      <p:sp>
+        <p:nvSpPr>
+          <p:cNvPr id="2" name="Title 1"/>
+          <p:cNvSpPr>
+            <a:spLocks noGrp="1"/>
+          </p:cNvSpPr>
+          <p:nvPr>
+            <p:ph type="title"/>
+          </p:nvPr>
+        </p:nvSpPr>
+        <p:spPr/>
+        <p:txBody>
+          <a:bodyPr/>
+          <a:lstStyle/>
+          <a:p>
+            <a:endParaRPr lang="en-US"/>
+          </a:p>
+        </p:txBody>
+      </p:sp>
+      <p:sp>
+        <p:nvSpPr>
+          <p:cNvPr id="3" name="Content Placeholder 2"/>
+          <p:cNvSpPr>
+            <a:spLocks noGrp="1"/>
+          </p:cNvSpPr>
+          <p:nvPr>
+            <p:ph idx="1"/>
+          </p:nvPr>
+        </p:nvSpPr>
+        <p:spPr/>
+        <p:txBody>
+          <a:bodyPr/>
+          <a:lstStyle/>
+          <a:p>
+            <a:endParaRPr lang="en-US"/>
+          </a:p>
+        </p:txBody>
+      </p:sp>
+      <p:pic>
+        <p:nvPicPr>
+          <p:cNvPr id="4" name="Picture 3"/>
+          <p:cNvPicPr>
+            <a:picLocks noChangeAspect="1"/>
+          </p:cNvPicPr>
+          <p:nvPr/>
+        </p:nvPicPr>
+        <p:blipFill>
+          <a:blip r:embed="rId2"/>
+          <a:stretch>
+            <a:fillRect/>
+          </a:stretch>
+        </p:blipFill>
+        <p:spPr>
+          <a:xfrm>
+            <a:off x="-409575" y="-228600"/>
+            <a:ext cx="13011150" cy="7315200"/>
+          </a:xfrm>
+          <a:prstGeom prst="rect">
+            <a:avLst/>
+          </a:prstGeom>
+        </p:spPr>
+      </p:pic>
+    </p:spTree>
+    <p:extLst>
+      <p:ext uri="{BB962C8B-B14F-4D97-AF65-F5344CB8AC3E}">
+        <p14:creationId xmlns:p14="http://schemas.microsoft.com/office/powerpoint/2010/main" val="2062695489"/>
+      </p:ext>
+    </p:extLst>
+  </p:cSld>
+  <p:clrMapOvr>
+    <a:masterClrMapping/>
+  </p:clrMapOvr>
+</p:sld>
+</file>
+
+<file path=ppt/slides/slide6.xml><?xml version="1.0" encoding="utf-8"?>
+<p:sld xmlns:a="http://schemas.openxmlformats.org/drawingml/2006/main" xmlns:r="http://schemas.openxmlformats.org/officeDocument/2006/relationships" xmlns:p="http://schemas.openxmlformats.org/presentationml/2006/main">
+  <p:cSld>
+    <p:spTree>
+      <p:nvGrpSpPr>
+        <p:cNvPr id="1" name=""/>
+        <p:cNvGrpSpPr/>
+        <p:nvPr/>
+      </p:nvGrpSpPr>
+      <p:grpSpPr>
+        <a:xfrm>
+          <a:off x="0" y="0"/>
+          <a:ext cx="0" cy="0"/>
+          <a:chOff x="0" y="0"/>
+          <a:chExt cx="0" cy="0"/>
+        </a:xfrm>
+      </p:grpSpPr>
+      <p:sp>
+        <p:nvSpPr>
+          <p:cNvPr id="2" name="Title 1"/>
+          <p:cNvSpPr>
+            <a:spLocks noGrp="1"/>
+          </p:cNvSpPr>
+          <p:nvPr>
+            <p:ph type="title"/>
+          </p:nvPr>
+        </p:nvSpPr>
+        <p:spPr/>
+        <p:txBody>
+          <a:bodyPr/>
+          <a:lstStyle/>
+          <a:p>
+            <a:r>
+              <a:rPr lang="en-US" smtClean="0"/>
+              <a:t>hướng đối tượng</a:t>
+            </a:r>
+            <a:endParaRPr lang="en-US"/>
+          </a:p>
+        </p:txBody>
+      </p:sp>
+      <p:sp>
+        <p:nvSpPr>
+          <p:cNvPr id="3" name="Content Placeholder 2"/>
+          <p:cNvSpPr>
+            <a:spLocks noGrp="1"/>
+          </p:cNvSpPr>
+          <p:nvPr>
+            <p:ph idx="1"/>
+          </p:nvPr>
+        </p:nvSpPr>
+        <p:spPr/>
+        <p:txBody>
+          <a:bodyPr/>
+          <a:lstStyle/>
+          <a:p>
+            <a:endParaRPr lang="en-US"/>
+          </a:p>
+        </p:txBody>
+      </p:sp>
+    </p:spTree>
+    <p:extLst>
+      <p:ext uri="{BB962C8B-B14F-4D97-AF65-F5344CB8AC3E}">
+        <p14:creationId xmlns:p14="http://schemas.microsoft.com/office/powerpoint/2010/main" val="3932637984"/>
+      </p:ext>
+    </p:extLst>
+  </p:cSld>
+  <p:clrMapOvr>
+    <a:masterClrMapping/>
+  </p:clrMapOvr>
+</p:sld>
+</file>
+
+<file path=ppt/slides/slide7.xml><?xml version="1.0" encoding="utf-8"?>
+<p:sld xmlns:a="http://schemas.openxmlformats.org/drawingml/2006/main" xmlns:r="http://schemas.openxmlformats.org/officeDocument/2006/relationships" xmlns:p="http://schemas.openxmlformats.org/presentationml/2006/main">
+  <p:cSld>
+    <p:spTree>
+      <p:nvGrpSpPr>
+        <p:cNvPr id="1" name=""/>
+        <p:cNvGrpSpPr/>
+        <p:nvPr/>
+      </p:nvGrpSpPr>
+      <p:grpSpPr>
+        <a:xfrm>
+          <a:off x="0" y="0"/>
+          <a:ext cx="0" cy="0"/>
+          <a:chOff x="0" y="0"/>
+          <a:chExt cx="0" cy="0"/>
+        </a:xfrm>
+      </p:grpSpPr>
+      <p:sp>
+        <p:nvSpPr>
+          <p:cNvPr id="2" name="Title 1"/>
+          <p:cNvSpPr>
+            <a:spLocks noGrp="1"/>
+          </p:cNvSpPr>
+          <p:nvPr>
+            <p:ph type="title"/>
+          </p:nvPr>
+        </p:nvSpPr>
+        <p:spPr/>
+        <p:txBody>
+          <a:bodyPr/>
+          <a:lstStyle/>
+          <a:p>
+            <a:endParaRPr lang="en-US"/>
+          </a:p>
+        </p:txBody>
+      </p:sp>
+      <p:sp>
+        <p:nvSpPr>
+          <p:cNvPr id="3" name="Content Placeholder 2"/>
+          <p:cNvSpPr>
+            <a:spLocks noGrp="1"/>
+          </p:cNvSpPr>
+          <p:nvPr>
+            <p:ph idx="1"/>
+          </p:nvPr>
+        </p:nvSpPr>
+        <p:spPr/>
+        <p:txBody>
+          <a:bodyPr/>
+          <a:lstStyle/>
+          <a:p>
+            <a:endParaRPr lang="en-US"/>
+          </a:p>
+        </p:txBody>
+      </p:sp>
+    </p:spTree>
+    <p:extLst>
+      <p:ext uri="{BB962C8B-B14F-4D97-AF65-F5344CB8AC3E}">
+        <p14:creationId xmlns:p14="http://schemas.microsoft.com/office/powerpoint/2010/main" val="1327653208"/>
+      </p:ext>
+    </p:extLst>
+  </p:cSld>
+  <p:clrMapOvr>
+    <a:masterClrMapping/>
+  </p:clrMapOvr>
+</p:sld>
+</file>
+
 <file path=ppt/theme/theme1.xml><?xml version="1.0" encoding="utf-8"?>
 <a:theme xmlns:a="http://schemas.openxmlformats.org/drawingml/2006/main" name="Office Theme">
   <a:themeElements>

--- a/Module 2/PHP.pptx
+++ b/Module 2/PHP.pptx
@@ -10,8 +10,9 @@
     <p:sldId id="257" r:id="rId4"/>
     <p:sldId id="258" r:id="rId5"/>
     <p:sldId id="260" r:id="rId6"/>
-    <p:sldId id="261" r:id="rId7"/>
-    <p:sldId id="262" r:id="rId8"/>
+    <p:sldId id="263" r:id="rId7"/>
+    <p:sldId id="261" r:id="rId8"/>
+    <p:sldId id="262" r:id="rId9"/>
   </p:sldIdLst>
   <p:sldSz cx="12192000" cy="6858000"/>
   <p:notesSz cx="6858000" cy="9144000"/>
@@ -249,7 +250,7 @@
           <a:p>
             <a:fld id="{E9F3E169-0043-4E4A-BA3A-A22455999361}" type="datetimeFigureOut">
               <a:rPr lang="en-US" smtClean="0"/>
-              <a:t>5/4/2019</a:t>
+              <a:t>5/5/2019</a:t>
             </a:fld>
             <a:endParaRPr lang="en-US"/>
           </a:p>
@@ -419,7 +420,7 @@
           <a:p>
             <a:fld id="{E9F3E169-0043-4E4A-BA3A-A22455999361}" type="datetimeFigureOut">
               <a:rPr lang="en-US" smtClean="0"/>
-              <a:t>5/4/2019</a:t>
+              <a:t>5/5/2019</a:t>
             </a:fld>
             <a:endParaRPr lang="en-US"/>
           </a:p>
@@ -599,7 +600,7 @@
           <a:p>
             <a:fld id="{E9F3E169-0043-4E4A-BA3A-A22455999361}" type="datetimeFigureOut">
               <a:rPr lang="en-US" smtClean="0"/>
-              <a:t>5/4/2019</a:t>
+              <a:t>5/5/2019</a:t>
             </a:fld>
             <a:endParaRPr lang="en-US"/>
           </a:p>
@@ -769,7 +770,7 @@
           <a:p>
             <a:fld id="{E9F3E169-0043-4E4A-BA3A-A22455999361}" type="datetimeFigureOut">
               <a:rPr lang="en-US" smtClean="0"/>
-              <a:t>5/4/2019</a:t>
+              <a:t>5/5/2019</a:t>
             </a:fld>
             <a:endParaRPr lang="en-US"/>
           </a:p>
@@ -1015,7 +1016,7 @@
           <a:p>
             <a:fld id="{E9F3E169-0043-4E4A-BA3A-A22455999361}" type="datetimeFigureOut">
               <a:rPr lang="en-US" smtClean="0"/>
-              <a:t>5/4/2019</a:t>
+              <a:t>5/5/2019</a:t>
             </a:fld>
             <a:endParaRPr lang="en-US"/>
           </a:p>
@@ -1247,7 +1248,7 @@
           <a:p>
             <a:fld id="{E9F3E169-0043-4E4A-BA3A-A22455999361}" type="datetimeFigureOut">
               <a:rPr lang="en-US" smtClean="0"/>
-              <a:t>5/4/2019</a:t>
+              <a:t>5/5/2019</a:t>
             </a:fld>
             <a:endParaRPr lang="en-US"/>
           </a:p>
@@ -1614,7 +1615,7 @@
           <a:p>
             <a:fld id="{E9F3E169-0043-4E4A-BA3A-A22455999361}" type="datetimeFigureOut">
               <a:rPr lang="en-US" smtClean="0"/>
-              <a:t>5/4/2019</a:t>
+              <a:t>5/5/2019</a:t>
             </a:fld>
             <a:endParaRPr lang="en-US"/>
           </a:p>
@@ -1732,7 +1733,7 @@
           <a:p>
             <a:fld id="{E9F3E169-0043-4E4A-BA3A-A22455999361}" type="datetimeFigureOut">
               <a:rPr lang="en-US" smtClean="0"/>
-              <a:t>5/4/2019</a:t>
+              <a:t>5/5/2019</a:t>
             </a:fld>
             <a:endParaRPr lang="en-US"/>
           </a:p>
@@ -1827,7 +1828,7 @@
           <a:p>
             <a:fld id="{E9F3E169-0043-4E4A-BA3A-A22455999361}" type="datetimeFigureOut">
               <a:rPr lang="en-US" smtClean="0"/>
-              <a:t>5/4/2019</a:t>
+              <a:t>5/5/2019</a:t>
             </a:fld>
             <a:endParaRPr lang="en-US"/>
           </a:p>
@@ -2104,7 +2105,7 @@
           <a:p>
             <a:fld id="{E9F3E169-0043-4E4A-BA3A-A22455999361}" type="datetimeFigureOut">
               <a:rPr lang="en-US" smtClean="0"/>
-              <a:t>5/4/2019</a:t>
+              <a:t>5/5/2019</a:t>
             </a:fld>
             <a:endParaRPr lang="en-US"/>
           </a:p>
@@ -2357,7 +2358,7 @@
           <a:p>
             <a:fld id="{E9F3E169-0043-4E4A-BA3A-A22455999361}" type="datetimeFigureOut">
               <a:rPr lang="en-US" smtClean="0"/>
-              <a:t>5/4/2019</a:t>
+              <a:t>5/5/2019</a:t>
             </a:fld>
             <a:endParaRPr lang="en-US"/>
           </a:p>
@@ -2570,7 +2571,7 @@
           <a:p>
             <a:fld id="{E9F3E169-0043-4E4A-BA3A-A22455999361}" type="datetimeFigureOut">
               <a:rPr lang="en-US" smtClean="0"/>
-              <a:t>5/4/2019</a:t>
+              <a:t>5/5/2019</a:t>
             </a:fld>
             <a:endParaRPr lang="en-US"/>
           </a:p>
@@ -3457,6 +3458,98 @@
           <a:bodyPr/>
           <a:lstStyle/>
           <a:p>
+            <a:endParaRPr lang="en-US"/>
+          </a:p>
+        </p:txBody>
+      </p:sp>
+      <p:sp>
+        <p:nvSpPr>
+          <p:cNvPr id="3" name="Content Placeholder 2"/>
+          <p:cNvSpPr>
+            <a:spLocks noGrp="1"/>
+          </p:cNvSpPr>
+          <p:nvPr>
+            <p:ph idx="1"/>
+          </p:nvPr>
+        </p:nvSpPr>
+        <p:spPr/>
+        <p:txBody>
+          <a:bodyPr/>
+          <a:lstStyle/>
+          <a:p>
+            <a:endParaRPr lang="en-US"/>
+          </a:p>
+        </p:txBody>
+      </p:sp>
+      <p:pic>
+        <p:nvPicPr>
+          <p:cNvPr id="4" name="Picture 3"/>
+          <p:cNvPicPr>
+            <a:picLocks noChangeAspect="1"/>
+          </p:cNvPicPr>
+          <p:nvPr/>
+        </p:nvPicPr>
+        <p:blipFill>
+          <a:blip r:embed="rId2"/>
+          <a:stretch>
+            <a:fillRect/>
+          </a:stretch>
+        </p:blipFill>
+        <p:spPr>
+          <a:xfrm>
+            <a:off x="-409575" y="-228600"/>
+            <a:ext cx="13011150" cy="7315200"/>
+          </a:xfrm>
+          <a:prstGeom prst="rect">
+            <a:avLst/>
+          </a:prstGeom>
+        </p:spPr>
+      </p:pic>
+    </p:spTree>
+    <p:extLst>
+      <p:ext uri="{BB962C8B-B14F-4D97-AF65-F5344CB8AC3E}">
+        <p14:creationId xmlns:p14="http://schemas.microsoft.com/office/powerpoint/2010/main" val="391219771"/>
+      </p:ext>
+    </p:extLst>
+  </p:cSld>
+  <p:clrMapOvr>
+    <a:masterClrMapping/>
+  </p:clrMapOvr>
+</p:sld>
+</file>
+
+<file path=ppt/slides/slide7.xml><?xml version="1.0" encoding="utf-8"?>
+<p:sld xmlns:a="http://schemas.openxmlformats.org/drawingml/2006/main" xmlns:r="http://schemas.openxmlformats.org/officeDocument/2006/relationships" xmlns:p="http://schemas.openxmlformats.org/presentationml/2006/main">
+  <p:cSld>
+    <p:spTree>
+      <p:nvGrpSpPr>
+        <p:cNvPr id="1" name=""/>
+        <p:cNvGrpSpPr/>
+        <p:nvPr/>
+      </p:nvGrpSpPr>
+      <p:grpSpPr>
+        <a:xfrm>
+          <a:off x="0" y="0"/>
+          <a:ext cx="0" cy="0"/>
+          <a:chOff x="0" y="0"/>
+          <a:chExt cx="0" cy="0"/>
+        </a:xfrm>
+      </p:grpSpPr>
+      <p:sp>
+        <p:nvSpPr>
+          <p:cNvPr id="2" name="Title 1"/>
+          <p:cNvSpPr>
+            <a:spLocks noGrp="1"/>
+          </p:cNvSpPr>
+          <p:nvPr>
+            <p:ph type="title"/>
+          </p:nvPr>
+        </p:nvSpPr>
+        <p:spPr/>
+        <p:txBody>
+          <a:bodyPr/>
+          <a:lstStyle/>
+          <a:p>
             <a:r>
               <a:rPr lang="en-US" smtClean="0"/>
               <a:t>hướng đối tượng</a:t>
@@ -3497,7 +3590,7 @@
 </p:sld>
 </file>
 
-<file path=ppt/slides/slide7.xml><?xml version="1.0" encoding="utf-8"?>
+<file path=ppt/slides/slide8.xml><?xml version="1.0" encoding="utf-8"?>
 <p:sld xmlns:a="http://schemas.openxmlformats.org/drawingml/2006/main" xmlns:r="http://schemas.openxmlformats.org/officeDocument/2006/relationships" xmlns:p="http://schemas.openxmlformats.org/presentationml/2006/main">
   <p:cSld>
     <p:spTree>
